--- a/Presentation Slides.pptx
+++ b/Presentation Slides.pptx
@@ -1444,7 +1444,7 @@
               <a:pPr>
                 <a:defRPr/>
               </a:pPr>
-              <a:t>12/20/2018</a:t>
+              <a:t>12/21/2018</a:t>
             </a:fld>
             <a:endParaRPr lang="en-US"/>
           </a:p>
@@ -7088,15 +7088,15 @@
         </p:nvSpPr>
         <p:spPr>
           <a:xfrm>
-            <a:off x="1371600" y="4546600"/>
-            <a:ext cx="6400800" cy="1752600"/>
+            <a:off x="1064381" y="4546600"/>
+            <a:ext cx="6986209" cy="1752600"/>
           </a:xfrm>
         </p:spPr>
         <p:txBody>
           <a:bodyPr/>
           <a:lstStyle/>
           <a:p>
-            <a:endParaRPr lang="en-US" altLang="en-US"/>
+            <a:endParaRPr lang="en-US" altLang="en-US" dirty="0"/>
           </a:p>
           <a:p>
             <a:r>
@@ -7155,6 +7155,42 @@
           <a:chExt cx="0" cy="0"/>
         </a:xfrm>
       </p:grpSpPr>
+      <p:pic>
+        <p:nvPicPr>
+          <p:cNvPr id="29" name="Picture 28">
+            <a:extLst>
+              <a:ext uri="{FF2B5EF4-FFF2-40B4-BE49-F238E27FC236}">
+                <a16:creationId xmlns:a16="http://schemas.microsoft.com/office/drawing/2014/main" id="{7093FF43-A276-4A09-8736-54F511431D86}"/>
+              </a:ext>
+            </a:extLst>
+          </p:cNvPr>
+          <p:cNvPicPr>
+            <a:picLocks noChangeAspect="1"/>
+          </p:cNvPicPr>
+          <p:nvPr/>
+        </p:nvPicPr>
+        <p:blipFill>
+          <a:blip r:embed="rId2">
+            <a:extLst>
+              <a:ext uri="{28A0092B-C50C-407E-A947-70E740481C1C}">
+                <a14:useLocalDpi xmlns:a14="http://schemas.microsoft.com/office/drawing/2010/main" val="0"/>
+              </a:ext>
+            </a:extLst>
+          </a:blip>
+          <a:stretch>
+            <a:fillRect/>
+          </a:stretch>
+        </p:blipFill>
+        <p:spPr>
+          <a:xfrm>
+            <a:off x="2039144" y="1360261"/>
+            <a:ext cx="5048250" cy="4695825"/>
+          </a:xfrm>
+          <a:prstGeom prst="rect">
+            <a:avLst/>
+          </a:prstGeom>
+        </p:spPr>
+      </p:pic>
       <p:sp>
         <p:nvSpPr>
           <p:cNvPr id="13314" name="Title 1">
@@ -7173,7 +7209,7 @@
         </p:nvSpPr>
         <p:spPr>
           <a:xfrm>
-            <a:off x="677863" y="231775"/>
+            <a:off x="677863" y="217261"/>
             <a:ext cx="7772400" cy="1143000"/>
           </a:xfrm>
         </p:spPr>
@@ -7216,7 +7252,7 @@
           <a:p>
             <a:r>
               <a:rPr lang="en-US" altLang="en-US" sz="2400" dirty="0"/>
-              <a:t>Goal: Architecture simplicity</a:t>
+              <a:t>Goal: Accuracy and energy-efficiency</a:t>
             </a:r>
             <a:endParaRPr lang="en-US" altLang="en-US" sz="2400" dirty="0">
               <a:cs typeface="Times New Roman"/>
@@ -7225,1579 +7261,14 @@
           <a:p>
             <a:r>
               <a:rPr lang="en-US" altLang="en-US" sz="2400" dirty="0"/>
-              <a:t>Architecture: +1/-1 weights; +1/-1 activations; 784-1024-1024-1024-10 fully-connected; two-way MAC; latch-based weight </a:t>
-            </a:r>
-            <a:r>
-              <a:rPr lang="en-US" altLang="en-US" sz="2400"/>
-              <a:t>memory; 1R1W weight memory; </a:t>
-            </a:r>
-            <a:endParaRPr lang="en-US" altLang="en-US" sz="2400">
+              <a:t>Architecture: +1/-1 weights; +1/-1 activations; 784-1024-1024-1024-10 fully-connected; latch-based weight memory; 1R1W weight memory; FSM control </a:t>
+            </a:r>
+            <a:endParaRPr lang="en-US" altLang="en-US" sz="2400" dirty="0">
               <a:cs typeface="Times New Roman"/>
             </a:endParaRPr>
           </a:p>
         </p:txBody>
       </p:sp>
-      <p:sp>
-        <p:nvSpPr>
-          <p:cNvPr id="13316" name="TextBox 4">
-            <a:extLst>
-              <a:ext uri="{FF2B5EF4-FFF2-40B4-BE49-F238E27FC236}">
-                <a16:creationId xmlns:a16="http://schemas.microsoft.com/office/drawing/2014/main" id="{4C8B19AA-42AB-41CD-A671-77EFCB8CF7A7}"/>
-              </a:ext>
-            </a:extLst>
-          </p:cNvPr>
-          <p:cNvSpPr txBox="1">
-            <a:spLocks noChangeArrowheads="1"/>
-          </p:cNvSpPr>
-          <p:nvPr/>
-        </p:nvSpPr>
-        <p:spPr bwMode="auto">
-          <a:xfrm>
-            <a:off x="3933825" y="4038600"/>
-            <a:ext cx="5084763" cy="276225"/>
-          </a:xfrm>
-          <a:prstGeom prst="rect">
-            <a:avLst/>
-          </a:prstGeom>
-          <a:noFill/>
-          <a:ln>
-            <a:noFill/>
-          </a:ln>
-          <a:extLst>
-            <a:ext uri="{909E8E84-426E-40DD-AFC4-6F175D3DCCD1}">
-              <a14:hiddenFill xmlns:a14="http://schemas.microsoft.com/office/drawing/2010/main">
-                <a:solidFill>
-                  <a:srgbClr val="FFFFFF"/>
-                </a:solidFill>
-              </a14:hiddenFill>
-            </a:ext>
-            <a:ext uri="{91240B29-F687-4F45-9708-019B960494DF}">
-              <a14:hiddenLine xmlns:a14="http://schemas.microsoft.com/office/drawing/2010/main" w="9525">
-                <a:solidFill>
-                  <a:srgbClr val="000000"/>
-                </a:solidFill>
-                <a:miter lim="800000"/>
-                <a:headEnd/>
-                <a:tailEnd/>
-              </a14:hiddenLine>
-            </a:ext>
-          </a:extLst>
-        </p:spPr>
-        <p:txBody>
-          <a:bodyPr>
-            <a:spAutoFit/>
-          </a:bodyPr>
-          <a:lstStyle>
-            <a:lvl1pPr>
-              <a:spcBef>
-                <a:spcPct val="20000"/>
-              </a:spcBef>
-              <a:buChar char="•"/>
-              <a:defRPr sz="3200">
-                <a:solidFill>
-                  <a:schemeClr val="tx1"/>
-                </a:solidFill>
-                <a:latin typeface="Times New Roman" panose="02020603050405020304" pitchFamily="18" charset="0"/>
-              </a:defRPr>
-            </a:lvl1pPr>
-            <a:lvl2pPr marL="742950" indent="-285750">
-              <a:spcBef>
-                <a:spcPct val="20000"/>
-              </a:spcBef>
-              <a:buChar char="–"/>
-              <a:defRPr sz="2800">
-                <a:solidFill>
-                  <a:schemeClr val="tx1"/>
-                </a:solidFill>
-                <a:latin typeface="Times New Roman" panose="02020603050405020304" pitchFamily="18" charset="0"/>
-              </a:defRPr>
-            </a:lvl2pPr>
-            <a:lvl3pPr marL="1143000" indent="-228600">
-              <a:spcBef>
-                <a:spcPct val="20000"/>
-              </a:spcBef>
-              <a:buChar char="•"/>
-              <a:defRPr sz="2400">
-                <a:solidFill>
-                  <a:schemeClr val="tx1"/>
-                </a:solidFill>
-                <a:latin typeface="Times New Roman" panose="02020603050405020304" pitchFamily="18" charset="0"/>
-              </a:defRPr>
-            </a:lvl3pPr>
-            <a:lvl4pPr marL="1600200" indent="-228600">
-              <a:spcBef>
-                <a:spcPct val="20000"/>
-              </a:spcBef>
-              <a:buChar char="–"/>
-              <a:defRPr sz="2000">
-                <a:solidFill>
-                  <a:schemeClr val="tx1"/>
-                </a:solidFill>
-                <a:latin typeface="Times New Roman" panose="02020603050405020304" pitchFamily="18" charset="0"/>
-              </a:defRPr>
-            </a:lvl4pPr>
-            <a:lvl5pPr marL="2057400" indent="-228600">
-              <a:spcBef>
-                <a:spcPct val="20000"/>
-              </a:spcBef>
-              <a:buChar char="»"/>
-              <a:defRPr sz="2000">
-                <a:solidFill>
-                  <a:schemeClr val="tx1"/>
-                </a:solidFill>
-                <a:latin typeface="Times New Roman" panose="02020603050405020304" pitchFamily="18" charset="0"/>
-              </a:defRPr>
-            </a:lvl5pPr>
-            <a:lvl6pPr marL="2514600" indent="-228600" eaLnBrk="0" fontAlgn="base" hangingPunct="0">
-              <a:spcBef>
-                <a:spcPct val="20000"/>
-              </a:spcBef>
-              <a:spcAft>
-                <a:spcPct val="0"/>
-              </a:spcAft>
-              <a:buChar char="»"/>
-              <a:defRPr sz="2000">
-                <a:solidFill>
-                  <a:schemeClr val="tx1"/>
-                </a:solidFill>
-                <a:latin typeface="Times New Roman" panose="02020603050405020304" pitchFamily="18" charset="0"/>
-              </a:defRPr>
-            </a:lvl6pPr>
-            <a:lvl7pPr marL="2971800" indent="-228600" eaLnBrk="0" fontAlgn="base" hangingPunct="0">
-              <a:spcBef>
-                <a:spcPct val="20000"/>
-              </a:spcBef>
-              <a:spcAft>
-                <a:spcPct val="0"/>
-              </a:spcAft>
-              <a:buChar char="»"/>
-              <a:defRPr sz="2000">
-                <a:solidFill>
-                  <a:schemeClr val="tx1"/>
-                </a:solidFill>
-                <a:latin typeface="Times New Roman" panose="02020603050405020304" pitchFamily="18" charset="0"/>
-              </a:defRPr>
-            </a:lvl7pPr>
-            <a:lvl8pPr marL="3429000" indent="-228600" eaLnBrk="0" fontAlgn="base" hangingPunct="0">
-              <a:spcBef>
-                <a:spcPct val="20000"/>
-              </a:spcBef>
-              <a:spcAft>
-                <a:spcPct val="0"/>
-              </a:spcAft>
-              <a:buChar char="»"/>
-              <a:defRPr sz="2000">
-                <a:solidFill>
-                  <a:schemeClr val="tx1"/>
-                </a:solidFill>
-                <a:latin typeface="Times New Roman" panose="02020603050405020304" pitchFamily="18" charset="0"/>
-              </a:defRPr>
-            </a:lvl8pPr>
-            <a:lvl9pPr marL="3886200" indent="-228600" eaLnBrk="0" fontAlgn="base" hangingPunct="0">
-              <a:spcBef>
-                <a:spcPct val="20000"/>
-              </a:spcBef>
-              <a:spcAft>
-                <a:spcPct val="0"/>
-              </a:spcAft>
-              <a:buChar char="»"/>
-              <a:defRPr sz="2000">
-                <a:solidFill>
-                  <a:schemeClr val="tx1"/>
-                </a:solidFill>
-                <a:latin typeface="Times New Roman" panose="02020603050405020304" pitchFamily="18" charset="0"/>
-              </a:defRPr>
-            </a:lvl9pPr>
-          </a:lstStyle>
-          <a:p>
-            <a:pPr algn="r">
-              <a:spcBef>
-                <a:spcPct val="0"/>
-              </a:spcBef>
-              <a:buFontTx/>
-              <a:buNone/>
-            </a:pPr>
-            <a:r>
-              <a:rPr lang="en-US" altLang="en-US" sz="1200">
-                <a:solidFill>
-                  <a:srgbClr val="1D315B"/>
-                </a:solidFill>
-              </a:rPr>
-              <a:t>Any reference? </a:t>
-            </a:r>
-            <a:endParaRPr lang="en-US" altLang="en-US" sz="1200" i="1">
-              <a:solidFill>
-                <a:srgbClr val="1D315B"/>
-              </a:solidFill>
-            </a:endParaRPr>
-          </a:p>
-        </p:txBody>
-      </p:sp>
-      <p:sp>
-        <p:nvSpPr>
-          <p:cNvPr id="2" name="Rectangle 1">
-            <a:extLst>
-              <a:ext uri="{FF2B5EF4-FFF2-40B4-BE49-F238E27FC236}">
-                <a16:creationId xmlns:a16="http://schemas.microsoft.com/office/drawing/2014/main" id="{50AE95DD-7297-4908-A089-9A53F9469E63}"/>
-              </a:ext>
-            </a:extLst>
-          </p:cNvPr>
-          <p:cNvSpPr/>
-          <p:nvPr/>
-        </p:nvSpPr>
-        <p:spPr bwMode="auto">
-          <a:xfrm>
-            <a:off x="1818217" y="1617134"/>
-            <a:ext cx="914400" cy="914400"/>
-          </a:xfrm>
-          <a:prstGeom prst="rect">
-            <a:avLst/>
-          </a:prstGeom>
-          <a:ln>
-            <a:headEnd type="none" w="med" len="med"/>
-            <a:tailEnd type="none" w="med" len="med"/>
-          </a:ln>
-          <a:extLst>
-            <a:ext uri="{AF507438-7753-43E0-B8FC-AC1667EBCBE1}">
-              <a14:hiddenEffects xmlns:a14="http://schemas.microsoft.com/office/drawing/2010/main">
-                <a:effectLst>
-                  <a:outerShdw dist="35921" dir="2700000" algn="ctr" rotWithShape="0">
-                    <a:schemeClr val="bg2"/>
-                  </a:outerShdw>
-                </a:effectLst>
-              </a14:hiddenEffects>
-            </a:ext>
-          </a:extLst>
-        </p:spPr>
-        <p:style>
-          <a:lnRef idx="2">
-            <a:schemeClr val="accent1">
-              <a:shade val="50000"/>
-            </a:schemeClr>
-          </a:lnRef>
-          <a:fillRef idx="1">
-            <a:schemeClr val="accent1"/>
-          </a:fillRef>
-          <a:effectRef idx="0">
-            <a:schemeClr val="accent1"/>
-          </a:effectRef>
-          <a:fontRef idx="minor">
-            <a:schemeClr val="lt1"/>
-          </a:fontRef>
-        </p:style>
-        <p:txBody>
-          <a:bodyPr vert="horz" wrap="square" lIns="91440" tIns="45720" rIns="91440" bIns="45720" numCol="1" rtlCol="0" anchor="t" anchorCtr="0" compatLnSpc="1">
-            <a:prstTxWarp prst="textNoShape">
-              <a:avLst/>
-            </a:prstTxWarp>
-          </a:bodyPr>
-          <a:lstStyle/>
-          <a:p>
-            <a:pPr marL="0" marR="0" indent="0" algn="l" defTabSz="914400" rtl="0" eaLnBrk="0" fontAlgn="base" latinLnBrk="0" hangingPunct="0">
-              <a:lnSpc>
-                <a:spcPct val="100000"/>
-              </a:lnSpc>
-              <a:spcBef>
-                <a:spcPct val="0"/>
-              </a:spcBef>
-              <a:spcAft>
-                <a:spcPct val="0"/>
-              </a:spcAft>
-              <a:buClrTx/>
-              <a:buSzTx/>
-              <a:buFontTx/>
-              <a:buNone/>
-              <a:tabLst/>
-            </a:pPr>
-            <a:r>
-              <a:rPr lang="en-US" dirty="0">
-                <a:solidFill>
-                  <a:schemeClr val="tx1"/>
-                </a:solidFill>
-                <a:latin typeface="Times New Roman" pitchFamily="18" charset="0"/>
-                <a:cs typeface="Times New Roman"/>
-              </a:rPr>
-              <a:t>Mem</a:t>
-            </a:r>
-          </a:p>
-          <a:p>
-            <a:r>
-              <a:rPr lang="en-US" dirty="0">
-                <a:solidFill>
-                  <a:schemeClr val="tx1"/>
-                </a:solidFill>
-                <a:latin typeface="Times New Roman" pitchFamily="18" charset="0"/>
-                <a:cs typeface="Times New Roman"/>
-              </a:rPr>
-              <a:t>2x4</a:t>
-            </a:r>
-          </a:p>
-        </p:txBody>
-      </p:sp>
-      <p:cxnSp>
-        <p:nvCxnSpPr>
-          <p:cNvPr id="3" name="Straight Arrow Connector 2">
-            <a:extLst>
-              <a:ext uri="{FF2B5EF4-FFF2-40B4-BE49-F238E27FC236}">
-                <a16:creationId xmlns:a16="http://schemas.microsoft.com/office/drawing/2014/main" id="{A7DCB077-AE85-45C5-84A7-14DCAAD80047}"/>
-              </a:ext>
-            </a:extLst>
-          </p:cNvPr>
-          <p:cNvCxnSpPr/>
-          <p:nvPr/>
-        </p:nvCxnSpPr>
-        <p:spPr bwMode="auto">
-          <a:xfrm>
-            <a:off x="2728383" y="1797051"/>
-            <a:ext cx="501650" cy="4233"/>
-          </a:xfrm>
-          <a:prstGeom prst="straightConnector1">
-            <a:avLst/>
-          </a:prstGeom>
-          <a:solidFill>
-            <a:schemeClr val="accent1"/>
-          </a:solidFill>
-          <a:ln w="9525" cap="flat" cmpd="sng" algn="ctr">
-            <a:solidFill>
-              <a:schemeClr val="tx1"/>
-            </a:solidFill>
-            <a:prstDash val="solid"/>
-            <a:round/>
-            <a:headEnd type="none" w="med" len="med"/>
-            <a:tailEnd type="triangle"/>
-          </a:ln>
-          <a:effectLst/>
-          <a:extLst>
-            <a:ext uri="{AF507438-7753-43E0-B8FC-AC1667EBCBE1}">
-              <a14:hiddenEffects xmlns:a14="http://schemas.microsoft.com/office/drawing/2010/main">
-                <a:effectLst>
-                  <a:outerShdw dist="35921" dir="2700000" algn="ctr" rotWithShape="0">
-                    <a:schemeClr val="bg2"/>
-                  </a:outerShdw>
-                </a:effectLst>
-              </a14:hiddenEffects>
-            </a:ext>
-          </a:extLst>
-        </p:spPr>
-      </p:cxnSp>
-      <p:sp>
-        <p:nvSpPr>
-          <p:cNvPr id="4" name="Rectangle 3">
-            <a:extLst>
-              <a:ext uri="{FF2B5EF4-FFF2-40B4-BE49-F238E27FC236}">
-                <a16:creationId xmlns:a16="http://schemas.microsoft.com/office/drawing/2014/main" id="{0C447184-64B7-4E58-9C93-40CDC0CA9021}"/>
-              </a:ext>
-            </a:extLst>
-          </p:cNvPr>
-          <p:cNvSpPr/>
-          <p:nvPr/>
-        </p:nvSpPr>
-        <p:spPr bwMode="auto">
-          <a:xfrm>
-            <a:off x="3225800" y="1648884"/>
-            <a:ext cx="300567" cy="1009650"/>
-          </a:xfrm>
-          <a:prstGeom prst="rect">
-            <a:avLst/>
-          </a:prstGeom>
-          <a:ln>
-            <a:headEnd type="none" w="med" len="med"/>
-            <a:tailEnd type="none" w="med" len="med"/>
-          </a:ln>
-          <a:extLst>
-            <a:ext uri="{AF507438-7753-43E0-B8FC-AC1667EBCBE1}">
-              <a14:hiddenEffects xmlns:a14="http://schemas.microsoft.com/office/drawing/2010/main">
-                <a:effectLst>
-                  <a:outerShdw dist="35921" dir="2700000" algn="ctr" rotWithShape="0">
-                    <a:schemeClr val="bg2"/>
-                  </a:outerShdw>
-                </a:effectLst>
-              </a14:hiddenEffects>
-            </a:ext>
-          </a:extLst>
-        </p:spPr>
-        <p:style>
-          <a:lnRef idx="2">
-            <a:schemeClr val="accent1">
-              <a:shade val="50000"/>
-            </a:schemeClr>
-          </a:lnRef>
-          <a:fillRef idx="1">
-            <a:schemeClr val="accent1"/>
-          </a:fillRef>
-          <a:effectRef idx="0">
-            <a:schemeClr val="accent1"/>
-          </a:effectRef>
-          <a:fontRef idx="minor">
-            <a:schemeClr val="lt1"/>
-          </a:fontRef>
-        </p:style>
-        <p:txBody>
-          <a:bodyPr vert="horz" wrap="square" lIns="91440" tIns="45720" rIns="91440" bIns="45720" numCol="1" rtlCol="0" anchor="t" anchorCtr="0" compatLnSpc="1">
-            <a:prstTxWarp prst="textNoShape">
-              <a:avLst/>
-            </a:prstTxWarp>
-          </a:bodyPr>
-          <a:lstStyle/>
-          <a:p>
-            <a:pPr marL="0" marR="0" indent="0" algn="l" defTabSz="914400" eaLnBrk="0" fontAlgn="base" latinLnBrk="0" hangingPunct="0">
-              <a:lnSpc>
-                <a:spcPct val="100000"/>
-              </a:lnSpc>
-              <a:spcBef>
-                <a:spcPct val="0"/>
-              </a:spcBef>
-              <a:spcAft>
-                <a:spcPct val="0"/>
-              </a:spcAft>
-              <a:buClrTx/>
-              <a:buSzTx/>
-              <a:buNone/>
-              <a:tabLst/>
-            </a:pPr>
-            <a:r>
-              <a:rPr lang="en-US" sz="1800" dirty="0">
-                <a:solidFill>
-                  <a:schemeClr val="tx1"/>
-                </a:solidFill>
-                <a:latin typeface="Times New Roman" pitchFamily="18" charset="0"/>
-                <a:cs typeface="Times New Roman"/>
-              </a:rPr>
-              <a:t>Reg</a:t>
-            </a:r>
-            <a:endParaRPr lang="en-US" sz="1800" dirty="0">
-              <a:solidFill>
-                <a:schemeClr val="tx1"/>
-              </a:solidFill>
-            </a:endParaRPr>
-          </a:p>
-        </p:txBody>
-      </p:sp>
-      <p:sp>
-        <p:nvSpPr>
-          <p:cNvPr id="9" name="Flowchart: Manual Operation 8">
-            <a:extLst>
-              <a:ext uri="{FF2B5EF4-FFF2-40B4-BE49-F238E27FC236}">
-                <a16:creationId xmlns:a16="http://schemas.microsoft.com/office/drawing/2014/main" id="{087CC658-7478-43F6-9456-D99678DCBEB4}"/>
-              </a:ext>
-            </a:extLst>
-          </p:cNvPr>
-          <p:cNvSpPr/>
-          <p:nvPr/>
-        </p:nvSpPr>
-        <p:spPr bwMode="auto">
-          <a:xfrm>
-            <a:off x="4072467" y="2191342"/>
-            <a:ext cx="1189567" cy="464482"/>
-          </a:xfrm>
-          <a:prstGeom prst="flowChartManualOperation">
-            <a:avLst/>
-          </a:prstGeom>
-          <a:solidFill>
-            <a:schemeClr val="accent1"/>
-          </a:solidFill>
-          <a:ln w="9525" cap="flat" cmpd="sng" algn="ctr">
-            <a:solidFill>
-              <a:schemeClr val="tx1"/>
-            </a:solidFill>
-            <a:prstDash val="solid"/>
-            <a:round/>
-            <a:headEnd type="none" w="med" len="med"/>
-            <a:tailEnd type="none" w="med" len="med"/>
-          </a:ln>
-          <a:effectLst/>
-          <a:extLst>
-            <a:ext uri="{AF507438-7753-43E0-B8FC-AC1667EBCBE1}">
-              <a14:hiddenEffects xmlns:a14="http://schemas.microsoft.com/office/drawing/2010/main">
-                <a:effectLst>
-                  <a:outerShdw dist="35921" dir="2700000" algn="ctr" rotWithShape="0">
-                    <a:schemeClr val="bg2"/>
-                  </a:outerShdw>
-                </a:effectLst>
-              </a14:hiddenEffects>
-            </a:ext>
-          </a:extLst>
-        </p:spPr>
-        <p:txBody>
-          <a:bodyPr vert="horz" wrap="square" lIns="91440" tIns="45720" rIns="91440" bIns="45720" numCol="1" rtlCol="0" anchor="t" anchorCtr="0" compatLnSpc="1">
-            <a:prstTxWarp prst="textNoShape">
-              <a:avLst/>
-            </a:prstTxWarp>
-          </a:bodyPr>
-          <a:lstStyle/>
-          <a:p>
-            <a:pPr marL="0" marR="0" indent="0" algn="l" defTabSz="914400" rtl="0" eaLnBrk="0" fontAlgn="base" latinLnBrk="0" hangingPunct="0">
-              <a:lnSpc>
-                <a:spcPct val="100000"/>
-              </a:lnSpc>
-              <a:spcBef>
-                <a:spcPct val="0"/>
-              </a:spcBef>
-              <a:spcAft>
-                <a:spcPct val="0"/>
-              </a:spcAft>
-              <a:buClrTx/>
-              <a:buSzTx/>
-              <a:buFontTx/>
-              <a:buNone/>
-              <a:tabLst/>
-            </a:pPr>
-            <a:r>
-              <a:rPr lang="en-US" sz="2000" dirty="0">
-                <a:cs typeface="Times New Roman"/>
-              </a:rPr>
-              <a:t>ALU</a:t>
-            </a:r>
-            <a:endParaRPr kumimoji="0" lang="en-US" sz="2000" b="0" i="0" u="none" strike="noStrike" cap="none" normalizeH="0" baseline="0" dirty="0">
-              <a:ln>
-                <a:noFill/>
-              </a:ln>
-              <a:effectLst/>
-              <a:latin typeface="Times New Roman" pitchFamily="18" charset="0"/>
-            </a:endParaRPr>
-          </a:p>
-        </p:txBody>
-      </p:sp>
-      <p:cxnSp>
-        <p:nvCxnSpPr>
-          <p:cNvPr id="10" name="Straight Arrow Connector 9">
-            <a:extLst>
-              <a:ext uri="{FF2B5EF4-FFF2-40B4-BE49-F238E27FC236}">
-                <a16:creationId xmlns:a16="http://schemas.microsoft.com/office/drawing/2014/main" id="{63AF2680-029C-4CBF-B8F5-110FAB416169}"/>
-              </a:ext>
-            </a:extLst>
-          </p:cNvPr>
-          <p:cNvCxnSpPr/>
-          <p:nvPr/>
-        </p:nvCxnSpPr>
-        <p:spPr bwMode="auto">
-          <a:xfrm>
-            <a:off x="4665134" y="2654300"/>
-            <a:ext cx="4234" cy="533400"/>
-          </a:xfrm>
-          <a:prstGeom prst="straightConnector1">
-            <a:avLst/>
-          </a:prstGeom>
-          <a:solidFill>
-            <a:schemeClr val="accent1"/>
-          </a:solidFill>
-          <a:ln w="9525" cap="flat" cmpd="sng" algn="ctr">
-            <a:solidFill>
-              <a:schemeClr val="tx1"/>
-            </a:solidFill>
-            <a:prstDash val="solid"/>
-            <a:round/>
-            <a:headEnd type="none" w="med" len="med"/>
-            <a:tailEnd type="triangle"/>
-          </a:ln>
-          <a:effectLst/>
-          <a:extLst>
-            <a:ext uri="{AF507438-7753-43E0-B8FC-AC1667EBCBE1}">
-              <a14:hiddenEffects xmlns:a14="http://schemas.microsoft.com/office/drawing/2010/main">
-                <a:effectLst>
-                  <a:outerShdw dist="35921" dir="2700000" algn="ctr" rotWithShape="0">
-                    <a:schemeClr val="bg2"/>
-                  </a:outerShdw>
-                </a:effectLst>
-              </a14:hiddenEffects>
-            </a:ext>
-          </a:extLst>
-        </p:spPr>
-      </p:cxnSp>
-      <p:cxnSp>
-        <p:nvCxnSpPr>
-          <p:cNvPr id="11" name="Straight Arrow Connector 10">
-            <a:extLst>
-              <a:ext uri="{FF2B5EF4-FFF2-40B4-BE49-F238E27FC236}">
-                <a16:creationId xmlns:a16="http://schemas.microsoft.com/office/drawing/2014/main" id="{40DE1E59-13FC-4A04-B787-128B0921B8FC}"/>
-              </a:ext>
-            </a:extLst>
-          </p:cNvPr>
-          <p:cNvCxnSpPr/>
-          <p:nvPr/>
-        </p:nvCxnSpPr>
-        <p:spPr bwMode="auto">
-          <a:xfrm>
-            <a:off x="4305300" y="1797050"/>
-            <a:ext cx="4234" cy="406400"/>
-          </a:xfrm>
-          <a:prstGeom prst="straightConnector1">
-            <a:avLst/>
-          </a:prstGeom>
-          <a:solidFill>
-            <a:schemeClr val="accent1"/>
-          </a:solidFill>
-          <a:ln w="9525" cap="flat" cmpd="sng" algn="ctr">
-            <a:solidFill>
-              <a:schemeClr val="tx1"/>
-            </a:solidFill>
-            <a:prstDash val="solid"/>
-            <a:round/>
-            <a:headEnd type="none" w="med" len="med"/>
-            <a:tailEnd type="triangle"/>
-          </a:ln>
-          <a:effectLst/>
-          <a:extLst>
-            <a:ext uri="{AF507438-7753-43E0-B8FC-AC1667EBCBE1}">
-              <a14:hiddenEffects xmlns:a14="http://schemas.microsoft.com/office/drawing/2010/main">
-                <a:effectLst>
-                  <a:outerShdw dist="35921" dir="2700000" algn="ctr" rotWithShape="0">
-                    <a:schemeClr val="bg2"/>
-                  </a:outerShdw>
-                </a:effectLst>
-              </a14:hiddenEffects>
-            </a:ext>
-          </a:extLst>
-        </p:spPr>
-      </p:cxnSp>
-      <p:cxnSp>
-        <p:nvCxnSpPr>
-          <p:cNvPr id="12" name="Straight Arrow Connector 11">
-            <a:extLst>
-              <a:ext uri="{FF2B5EF4-FFF2-40B4-BE49-F238E27FC236}">
-                <a16:creationId xmlns:a16="http://schemas.microsoft.com/office/drawing/2014/main" id="{812BBEEE-8F81-4C1E-92BD-37F0A9619807}"/>
-              </a:ext>
-            </a:extLst>
-          </p:cNvPr>
-          <p:cNvCxnSpPr/>
-          <p:nvPr/>
-        </p:nvCxnSpPr>
-        <p:spPr bwMode="auto">
-          <a:xfrm>
-            <a:off x="3522134" y="1797050"/>
-            <a:ext cx="787400" cy="4234"/>
-          </a:xfrm>
-          <a:prstGeom prst="straightConnector1">
-            <a:avLst/>
-          </a:prstGeom>
-          <a:solidFill>
-            <a:schemeClr val="accent1"/>
-          </a:solidFill>
-          <a:ln w="9525" cap="flat" cmpd="sng" algn="ctr">
-            <a:solidFill>
-              <a:schemeClr val="tx1"/>
-            </a:solidFill>
-            <a:prstDash val="solid"/>
-            <a:round/>
-            <a:headEnd type="none" w="med" len="med"/>
-            <a:tailEnd type="none" w="med" len="med"/>
-          </a:ln>
-          <a:effectLst/>
-          <a:extLst>
-            <a:ext uri="{AF507438-7753-43E0-B8FC-AC1667EBCBE1}">
-              <a14:hiddenEffects xmlns:a14="http://schemas.microsoft.com/office/drawing/2010/main">
-                <a:effectLst>
-                  <a:outerShdw dist="35921" dir="2700000" algn="ctr" rotWithShape="0">
-                    <a:schemeClr val="bg2"/>
-                  </a:outerShdw>
-                </a:effectLst>
-              </a14:hiddenEffects>
-            </a:ext>
-          </a:extLst>
-        </p:spPr>
-      </p:cxnSp>
-      <p:cxnSp>
-        <p:nvCxnSpPr>
-          <p:cNvPr id="18" name="Straight Arrow Connector 17">
-            <a:extLst>
-              <a:ext uri="{FF2B5EF4-FFF2-40B4-BE49-F238E27FC236}">
-                <a16:creationId xmlns:a16="http://schemas.microsoft.com/office/drawing/2014/main" id="{90677009-E6A4-4D53-880C-38F421A95687}"/>
-              </a:ext>
-            </a:extLst>
-          </p:cNvPr>
-          <p:cNvCxnSpPr>
-            <a:cxnSpLocks/>
-          </p:cNvCxnSpPr>
-          <p:nvPr/>
-        </p:nvCxnSpPr>
-        <p:spPr bwMode="auto">
-          <a:xfrm>
-            <a:off x="4961466" y="1797049"/>
-            <a:ext cx="4234" cy="406400"/>
-          </a:xfrm>
-          <a:prstGeom prst="straightConnector1">
-            <a:avLst/>
-          </a:prstGeom>
-          <a:solidFill>
-            <a:schemeClr val="accent1"/>
-          </a:solidFill>
-          <a:ln w="9525" cap="flat" cmpd="sng" algn="ctr">
-            <a:solidFill>
-              <a:schemeClr val="tx1"/>
-            </a:solidFill>
-            <a:prstDash val="solid"/>
-            <a:round/>
-            <a:headEnd type="none" w="med" len="med"/>
-            <a:tailEnd type="triangle"/>
-          </a:ln>
-          <a:effectLst/>
-          <a:extLst>
-            <a:ext uri="{AF507438-7753-43E0-B8FC-AC1667EBCBE1}">
-              <a14:hiddenEffects xmlns:a14="http://schemas.microsoft.com/office/drawing/2010/main">
-                <a:effectLst>
-                  <a:outerShdw dist="35921" dir="2700000" algn="ctr" rotWithShape="0">
-                    <a:schemeClr val="bg2"/>
-                  </a:outerShdw>
-                </a:effectLst>
-              </a14:hiddenEffects>
-            </a:ext>
-          </a:extLst>
-        </p:spPr>
-      </p:cxnSp>
-      <p:cxnSp>
-        <p:nvCxnSpPr>
-          <p:cNvPr id="19" name="Straight Arrow Connector 18">
-            <a:extLst>
-              <a:ext uri="{FF2B5EF4-FFF2-40B4-BE49-F238E27FC236}">
-                <a16:creationId xmlns:a16="http://schemas.microsoft.com/office/drawing/2014/main" id="{6F64D053-9611-4B66-99DB-09F0A7387059}"/>
-              </a:ext>
-            </a:extLst>
-          </p:cNvPr>
-          <p:cNvCxnSpPr>
-            <a:cxnSpLocks/>
-          </p:cNvCxnSpPr>
-          <p:nvPr/>
-        </p:nvCxnSpPr>
-        <p:spPr bwMode="auto">
-          <a:xfrm>
-            <a:off x="4961466" y="1797049"/>
-            <a:ext cx="734484" cy="4234"/>
-          </a:xfrm>
-          <a:prstGeom prst="straightConnector1">
-            <a:avLst/>
-          </a:prstGeom>
-          <a:solidFill>
-            <a:schemeClr val="accent1"/>
-          </a:solidFill>
-          <a:ln w="9525" cap="flat" cmpd="sng" algn="ctr">
-            <a:solidFill>
-              <a:schemeClr val="tx1"/>
-            </a:solidFill>
-            <a:prstDash val="solid"/>
-            <a:round/>
-            <a:headEnd type="none" w="med" len="med"/>
-            <a:tailEnd type="none" w="med" len="med"/>
-          </a:ln>
-          <a:effectLst/>
-          <a:extLst>
-            <a:ext uri="{AF507438-7753-43E0-B8FC-AC1667EBCBE1}">
-              <a14:hiddenEffects xmlns:a14="http://schemas.microsoft.com/office/drawing/2010/main">
-                <a:effectLst>
-                  <a:outerShdw dist="35921" dir="2700000" algn="ctr" rotWithShape="0">
-                    <a:schemeClr val="bg2"/>
-                  </a:outerShdw>
-                </a:effectLst>
-              </a14:hiddenEffects>
-            </a:ext>
-          </a:extLst>
-        </p:spPr>
-      </p:cxnSp>
-      <p:sp>
-        <p:nvSpPr>
-          <p:cNvPr id="14" name="Rectangle 13">
-            <a:extLst>
-              <a:ext uri="{FF2B5EF4-FFF2-40B4-BE49-F238E27FC236}">
-                <a16:creationId xmlns:a16="http://schemas.microsoft.com/office/drawing/2014/main" id="{864FCA8C-A1D7-4AC2-83F0-C8B8E802875D}"/>
-              </a:ext>
-            </a:extLst>
-          </p:cNvPr>
-          <p:cNvSpPr/>
-          <p:nvPr/>
-        </p:nvSpPr>
-        <p:spPr bwMode="auto">
-          <a:xfrm>
-            <a:off x="4400551" y="3162301"/>
-            <a:ext cx="533401" cy="395817"/>
-          </a:xfrm>
-          <a:prstGeom prst="rect">
-            <a:avLst/>
-          </a:prstGeom>
-          <a:solidFill>
-            <a:schemeClr val="accent1"/>
-          </a:solidFill>
-          <a:ln w="9525" cap="flat" cmpd="sng" algn="ctr">
-            <a:solidFill>
-              <a:schemeClr val="tx1"/>
-            </a:solidFill>
-            <a:prstDash val="solid"/>
-            <a:round/>
-            <a:headEnd type="none" w="med" len="med"/>
-            <a:tailEnd type="none" w="med" len="med"/>
-          </a:ln>
-          <a:effectLst/>
-          <a:extLst>
-            <a:ext uri="{AF507438-7753-43E0-B8FC-AC1667EBCBE1}">
-              <a14:hiddenEffects xmlns:a14="http://schemas.microsoft.com/office/drawing/2010/main">
-                <a:effectLst>
-                  <a:outerShdw dist="35921" dir="2700000" algn="ctr" rotWithShape="0">
-                    <a:schemeClr val="bg2"/>
-                  </a:outerShdw>
-                </a:effectLst>
-              </a14:hiddenEffects>
-            </a:ext>
-          </a:extLst>
-        </p:spPr>
-        <p:txBody>
-          <a:bodyPr vert="horz" wrap="square" lIns="91440" tIns="45720" rIns="91440" bIns="45720" numCol="1" rtlCol="0" anchor="t" anchorCtr="0" compatLnSpc="1">
-            <a:prstTxWarp prst="textNoShape">
-              <a:avLst/>
-            </a:prstTxWarp>
-          </a:bodyPr>
-          <a:lstStyle/>
-          <a:p>
-            <a:pPr marL="0" marR="0" indent="0" algn="ctr" defTabSz="914400" rtl="0" eaLnBrk="0" fontAlgn="base" latinLnBrk="0" hangingPunct="0">
-              <a:lnSpc>
-                <a:spcPct val="100000"/>
-              </a:lnSpc>
-              <a:spcBef>
-                <a:spcPct val="0"/>
-              </a:spcBef>
-              <a:spcAft>
-                <a:spcPct val="0"/>
-              </a:spcAft>
-              <a:buClrTx/>
-              <a:buSzTx/>
-              <a:buFontTx/>
-              <a:buNone/>
-              <a:tabLst/>
-            </a:pPr>
-            <a:r>
-              <a:rPr lang="en-US" dirty="0">
-                <a:cs typeface="Times New Roman"/>
-              </a:rPr>
-              <a:t>G</a:t>
-            </a:r>
-            <a:endParaRPr lang="en-US" sz="2400" b="0" i="0" u="none" strike="noStrike" cap="none" baseline="0" dirty="0">
-              <a:latin typeface="Times New Roman" pitchFamily="18" charset="0"/>
-              <a:cs typeface="Times New Roman"/>
-            </a:endParaRPr>
-          </a:p>
-        </p:txBody>
-      </p:sp>
-      <p:sp>
-        <p:nvSpPr>
-          <p:cNvPr id="15" name="Isosceles Triangle 14">
-            <a:extLst>
-              <a:ext uri="{FF2B5EF4-FFF2-40B4-BE49-F238E27FC236}">
-                <a16:creationId xmlns:a16="http://schemas.microsoft.com/office/drawing/2014/main" id="{166EE2A0-D418-4B7B-BAEE-9000618AB30D}"/>
-              </a:ext>
-            </a:extLst>
-          </p:cNvPr>
-          <p:cNvSpPr/>
-          <p:nvPr/>
-        </p:nvSpPr>
-        <p:spPr bwMode="auto">
-          <a:xfrm rot="5400000" flipH="1">
-            <a:off x="4409143" y="3358091"/>
-            <a:ext cx="145796" cy="120650"/>
-          </a:xfrm>
-          <a:prstGeom prst="triangle">
-            <a:avLst/>
-          </a:prstGeom>
-          <a:ln>
-            <a:headEnd type="none" w="med" len="med"/>
-            <a:tailEnd type="none" w="med" len="med"/>
-          </a:ln>
-          <a:extLst>
-            <a:ext uri="{AF507438-7753-43E0-B8FC-AC1667EBCBE1}">
-              <a14:hiddenEffects xmlns:a14="http://schemas.microsoft.com/office/drawing/2010/main">
-                <a:effectLst>
-                  <a:outerShdw dist="35921" dir="2700000" algn="ctr" rotWithShape="0">
-                    <a:schemeClr val="bg2"/>
-                  </a:outerShdw>
-                </a:effectLst>
-              </a14:hiddenEffects>
-            </a:ext>
-          </a:extLst>
-        </p:spPr>
-        <p:style>
-          <a:lnRef idx="2">
-            <a:schemeClr val="dk1"/>
-          </a:lnRef>
-          <a:fillRef idx="1">
-            <a:schemeClr val="lt1"/>
-          </a:fillRef>
-          <a:effectRef idx="0">
-            <a:schemeClr val="dk1"/>
-          </a:effectRef>
-          <a:fontRef idx="minor">
-            <a:schemeClr val="dk1"/>
-          </a:fontRef>
-        </p:style>
-        <p:txBody>
-          <a:bodyPr vert="horz" wrap="square" lIns="91440" tIns="45720" rIns="91440" bIns="45720" numCol="1" rtlCol="0" anchor="t" anchorCtr="0" compatLnSpc="1">
-            <a:prstTxWarp prst="textNoShape">
-              <a:avLst/>
-            </a:prstTxWarp>
-          </a:bodyPr>
-          <a:lstStyle/>
-          <a:p>
-            <a:pPr marL="0" marR="0" indent="0" algn="l" defTabSz="914400" rtl="0" eaLnBrk="0" fontAlgn="base" latinLnBrk="0" hangingPunct="0">
-              <a:lnSpc>
-                <a:spcPct val="100000"/>
-              </a:lnSpc>
-              <a:spcBef>
-                <a:spcPct val="0"/>
-              </a:spcBef>
-              <a:spcAft>
-                <a:spcPct val="0"/>
-              </a:spcAft>
-              <a:buClrTx/>
-              <a:buSzTx/>
-              <a:buFontTx/>
-              <a:buNone/>
-              <a:tabLst/>
-            </a:pPr>
-            <a:endParaRPr kumimoji="0" lang="en-US" sz="2400" b="0" i="0" u="none" strike="noStrike" cap="none" normalizeH="0" baseline="0">
-              <a:ln>
-                <a:noFill/>
-              </a:ln>
-              <a:solidFill>
-                <a:schemeClr val="tx1"/>
-              </a:solidFill>
-              <a:effectLst/>
-              <a:latin typeface="Times New Roman" pitchFamily="18" charset="0"/>
-            </a:endParaRPr>
-          </a:p>
-        </p:txBody>
-      </p:sp>
-      <p:sp>
-        <p:nvSpPr>
-          <p:cNvPr id="16" name="Rectangle 15">
-            <a:extLst>
-              <a:ext uri="{FF2B5EF4-FFF2-40B4-BE49-F238E27FC236}">
-                <a16:creationId xmlns:a16="http://schemas.microsoft.com/office/drawing/2014/main" id="{3CB138B5-89F5-4A19-B628-F085DD406EE6}"/>
-              </a:ext>
-            </a:extLst>
-          </p:cNvPr>
-          <p:cNvSpPr/>
-          <p:nvPr/>
-        </p:nvSpPr>
-        <p:spPr bwMode="auto">
-          <a:xfrm>
-            <a:off x="1818217" y="3818467"/>
-            <a:ext cx="1263650" cy="586317"/>
-          </a:xfrm>
-          <a:prstGeom prst="rect">
-            <a:avLst/>
-          </a:prstGeom>
-          <a:ln>
-            <a:headEnd type="none" w="med" len="med"/>
-            <a:tailEnd type="none" w="med" len="med"/>
-          </a:ln>
-          <a:extLst>
-            <a:ext uri="{AF507438-7753-43E0-B8FC-AC1667EBCBE1}">
-              <a14:hiddenEffects xmlns:a14="http://schemas.microsoft.com/office/drawing/2010/main">
-                <a:effectLst>
-                  <a:outerShdw dist="35921" dir="2700000" algn="ctr" rotWithShape="0">
-                    <a:schemeClr val="bg2"/>
-                  </a:outerShdw>
-                </a:effectLst>
-              </a14:hiddenEffects>
-            </a:ext>
-          </a:extLst>
-        </p:spPr>
-        <p:style>
-          <a:lnRef idx="1">
-            <a:schemeClr val="accent4"/>
-          </a:lnRef>
-          <a:fillRef idx="2">
-            <a:schemeClr val="accent4"/>
-          </a:fillRef>
-          <a:effectRef idx="1">
-            <a:schemeClr val="accent4"/>
-          </a:effectRef>
-          <a:fontRef idx="minor">
-            <a:schemeClr val="dk1"/>
-          </a:fontRef>
-        </p:style>
-        <p:txBody>
-          <a:bodyPr vert="horz" wrap="square" lIns="91440" tIns="45720" rIns="91440" bIns="45720" numCol="1" rtlCol="0" anchor="t" anchorCtr="0" compatLnSpc="1">
-            <a:prstTxWarp prst="textNoShape">
-              <a:avLst/>
-            </a:prstTxWarp>
-          </a:bodyPr>
-          <a:lstStyle/>
-          <a:p>
-            <a:pPr marL="0" marR="0" indent="0" algn="l" defTabSz="914400" rtl="0" eaLnBrk="0" fontAlgn="base" latinLnBrk="0" hangingPunct="0">
-              <a:lnSpc>
-                <a:spcPct val="100000"/>
-              </a:lnSpc>
-              <a:spcBef>
-                <a:spcPct val="0"/>
-              </a:spcBef>
-              <a:spcAft>
-                <a:spcPct val="0"/>
-              </a:spcAft>
-              <a:buClrTx/>
-              <a:buSzTx/>
-              <a:buFontTx/>
-              <a:buNone/>
-              <a:tabLst/>
-            </a:pPr>
-            <a:r>
-              <a:rPr lang="en-US" dirty="0">
-                <a:solidFill>
-                  <a:schemeClr val="tx1"/>
-                </a:solidFill>
-                <a:latin typeface="Times New Roman" pitchFamily="18" charset="0"/>
-                <a:cs typeface="Times New Roman"/>
-              </a:rPr>
-              <a:t>Control</a:t>
-            </a:r>
-            <a:endParaRPr kumimoji="0" lang="en-US" sz="2400" b="0" i="0" u="none" strike="noStrike" cap="none" normalizeH="0" baseline="0" dirty="0">
-              <a:ln>
-                <a:noFill/>
-              </a:ln>
-              <a:solidFill>
-                <a:schemeClr val="tx1"/>
-              </a:solidFill>
-              <a:effectLst/>
-              <a:latin typeface="Times New Roman" pitchFamily="18" charset="0"/>
-            </a:endParaRPr>
-          </a:p>
-        </p:txBody>
-      </p:sp>
-      <p:cxnSp>
-        <p:nvCxnSpPr>
-          <p:cNvPr id="17" name="Connector: Elbow 16">
-            <a:extLst>
-              <a:ext uri="{FF2B5EF4-FFF2-40B4-BE49-F238E27FC236}">
-                <a16:creationId xmlns:a16="http://schemas.microsoft.com/office/drawing/2014/main" id="{AA6ED8B9-570A-407D-9766-8AECA710935E}"/>
-              </a:ext>
-            </a:extLst>
-          </p:cNvPr>
-          <p:cNvCxnSpPr/>
-          <p:nvPr/>
-        </p:nvCxnSpPr>
-        <p:spPr bwMode="auto">
-          <a:xfrm flipV="1">
-            <a:off x="3077634" y="2404536"/>
-            <a:ext cx="1073149" cy="1731430"/>
-          </a:xfrm>
-          <a:prstGeom prst="bentConnector3">
-            <a:avLst/>
-          </a:prstGeom>
-          <a:solidFill>
-            <a:schemeClr val="accent1"/>
-          </a:solidFill>
-          <a:ln w="9525" cap="flat" cmpd="sng" algn="ctr">
-            <a:solidFill>
-              <a:schemeClr val="tx1"/>
-            </a:solidFill>
-            <a:prstDash val="solid"/>
-            <a:round/>
-            <a:headEnd type="none" w="med" len="med"/>
-            <a:tailEnd type="triangle"/>
-          </a:ln>
-          <a:effectLst/>
-          <a:extLst>
-            <a:ext uri="{AF507438-7753-43E0-B8FC-AC1667EBCBE1}">
-              <a14:hiddenEffects xmlns:a14="http://schemas.microsoft.com/office/drawing/2010/main">
-                <a:effectLst>
-                  <a:outerShdw dist="35921" dir="2700000" algn="ctr" rotWithShape="0">
-                    <a:schemeClr val="bg2"/>
-                  </a:outerShdw>
-                </a:effectLst>
-              </a14:hiddenEffects>
-            </a:ext>
-          </a:extLst>
-        </p:spPr>
-      </p:cxnSp>
-      <p:sp>
-        <p:nvSpPr>
-          <p:cNvPr id="24" name="Isosceles Triangle 23">
-            <a:extLst>
-              <a:ext uri="{FF2B5EF4-FFF2-40B4-BE49-F238E27FC236}">
-                <a16:creationId xmlns:a16="http://schemas.microsoft.com/office/drawing/2014/main" id="{1B1C5CCC-8545-4870-93AD-15C0469F2820}"/>
-              </a:ext>
-            </a:extLst>
-          </p:cNvPr>
-          <p:cNvSpPr/>
-          <p:nvPr/>
-        </p:nvSpPr>
-        <p:spPr bwMode="auto">
-          <a:xfrm rot="5400000" flipH="1">
-            <a:off x="3239685" y="2463799"/>
-            <a:ext cx="114046" cy="141817"/>
-          </a:xfrm>
-          <a:prstGeom prst="triangle">
-            <a:avLst/>
-          </a:prstGeom>
-          <a:ln>
-            <a:headEnd type="none" w="med" len="med"/>
-            <a:tailEnd type="none" w="med" len="med"/>
-          </a:ln>
-          <a:extLst>
-            <a:ext uri="{AF507438-7753-43E0-B8FC-AC1667EBCBE1}">
-              <a14:hiddenEffects xmlns:a14="http://schemas.microsoft.com/office/drawing/2010/main">
-                <a:effectLst>
-                  <a:outerShdw dist="35921" dir="2700000" algn="ctr" rotWithShape="0">
-                    <a:schemeClr val="bg2"/>
-                  </a:outerShdw>
-                </a:effectLst>
-              </a14:hiddenEffects>
-            </a:ext>
-          </a:extLst>
-        </p:spPr>
-        <p:style>
-          <a:lnRef idx="2">
-            <a:schemeClr val="dk1"/>
-          </a:lnRef>
-          <a:fillRef idx="1">
-            <a:schemeClr val="lt1"/>
-          </a:fillRef>
-          <a:effectRef idx="0">
-            <a:schemeClr val="dk1"/>
-          </a:effectRef>
-          <a:fontRef idx="minor">
-            <a:schemeClr val="dk1"/>
-          </a:fontRef>
-        </p:style>
-        <p:txBody>
-          <a:bodyPr vert="horz" wrap="square" lIns="91440" tIns="45720" rIns="91440" bIns="45720" numCol="1" rtlCol="0" anchor="t" anchorCtr="0" compatLnSpc="1">
-            <a:prstTxWarp prst="textNoShape">
-              <a:avLst/>
-            </a:prstTxWarp>
-          </a:bodyPr>
-          <a:lstStyle/>
-          <a:p>
-            <a:pPr marL="0" marR="0" indent="0" algn="l" defTabSz="914400" rtl="0" eaLnBrk="0" fontAlgn="base" latinLnBrk="0" hangingPunct="0">
-              <a:lnSpc>
-                <a:spcPct val="100000"/>
-              </a:lnSpc>
-              <a:spcBef>
-                <a:spcPct val="0"/>
-              </a:spcBef>
-              <a:spcAft>
-                <a:spcPct val="0"/>
-              </a:spcAft>
-              <a:buClrTx/>
-              <a:buSzTx/>
-              <a:buFontTx/>
-              <a:buNone/>
-              <a:tabLst/>
-            </a:pPr>
-            <a:endParaRPr kumimoji="0" lang="en-US" sz="2400" b="0" i="0" u="none" strike="noStrike" cap="none" normalizeH="0" baseline="0">
-              <a:ln>
-                <a:noFill/>
-              </a:ln>
-              <a:solidFill>
-                <a:schemeClr val="tx1"/>
-              </a:solidFill>
-              <a:effectLst/>
-              <a:latin typeface="Times New Roman" pitchFamily="18" charset="0"/>
-            </a:endParaRPr>
-          </a:p>
-        </p:txBody>
-      </p:sp>
-      <p:cxnSp>
-        <p:nvCxnSpPr>
-          <p:cNvPr id="21" name="Straight Arrow Connector 20">
-            <a:extLst>
-              <a:ext uri="{FF2B5EF4-FFF2-40B4-BE49-F238E27FC236}">
-                <a16:creationId xmlns:a16="http://schemas.microsoft.com/office/drawing/2014/main" id="{C63579EB-E62A-4DFD-98B6-37E12E5188BE}"/>
-              </a:ext>
-            </a:extLst>
-          </p:cNvPr>
-          <p:cNvCxnSpPr/>
-          <p:nvPr/>
-        </p:nvCxnSpPr>
-        <p:spPr bwMode="auto">
-          <a:xfrm>
-            <a:off x="5681133" y="1797050"/>
-            <a:ext cx="14817" cy="2279649"/>
-          </a:xfrm>
-          <a:prstGeom prst="straightConnector1">
-            <a:avLst/>
-          </a:prstGeom>
-          <a:solidFill>
-            <a:schemeClr val="accent1"/>
-          </a:solidFill>
-          <a:ln w="9525" cap="flat" cmpd="sng" algn="ctr">
-            <a:solidFill>
-              <a:schemeClr val="tx1"/>
-            </a:solidFill>
-            <a:prstDash val="solid"/>
-            <a:round/>
-            <a:headEnd type="none" w="med" len="med"/>
-            <a:tailEnd type="none" w="med" len="med"/>
-          </a:ln>
-          <a:effectLst/>
-          <a:extLst>
-            <a:ext uri="{AF507438-7753-43E0-B8FC-AC1667EBCBE1}">
-              <a14:hiddenEffects xmlns:a14="http://schemas.microsoft.com/office/drawing/2010/main">
-                <a:effectLst>
-                  <a:outerShdw dist="35921" dir="2700000" algn="ctr" rotWithShape="0">
-                    <a:schemeClr val="bg2"/>
-                  </a:outerShdw>
-                </a:effectLst>
-              </a14:hiddenEffects>
-            </a:ext>
-          </a:extLst>
-        </p:spPr>
-      </p:cxnSp>
-      <p:cxnSp>
-        <p:nvCxnSpPr>
-          <p:cNvPr id="22" name="Straight Arrow Connector 21">
-            <a:extLst>
-              <a:ext uri="{FF2B5EF4-FFF2-40B4-BE49-F238E27FC236}">
-                <a16:creationId xmlns:a16="http://schemas.microsoft.com/office/drawing/2014/main" id="{9D48A268-C790-45E7-8807-09BB3D87D832}"/>
-              </a:ext>
-            </a:extLst>
-          </p:cNvPr>
-          <p:cNvCxnSpPr/>
-          <p:nvPr/>
-        </p:nvCxnSpPr>
-        <p:spPr bwMode="auto">
-          <a:xfrm flipV="1">
-            <a:off x="4665133" y="3621617"/>
-            <a:ext cx="4235" cy="450850"/>
-          </a:xfrm>
-          <a:prstGeom prst="straightConnector1">
-            <a:avLst/>
-          </a:prstGeom>
-          <a:solidFill>
-            <a:schemeClr val="accent1"/>
-          </a:solidFill>
-          <a:ln w="9525" cap="flat" cmpd="sng" algn="ctr">
-            <a:solidFill>
-              <a:schemeClr val="tx1"/>
-            </a:solidFill>
-            <a:prstDash val="solid"/>
-            <a:round/>
-            <a:headEnd type="none" w="med" len="med"/>
-            <a:tailEnd type="triangle"/>
-          </a:ln>
-          <a:effectLst/>
-          <a:extLst>
-            <a:ext uri="{AF507438-7753-43E0-B8FC-AC1667EBCBE1}">
-              <a14:hiddenEffects xmlns:a14="http://schemas.microsoft.com/office/drawing/2010/main">
-                <a:effectLst>
-                  <a:outerShdw dist="35921" dir="2700000" algn="ctr" rotWithShape="0">
-                    <a:schemeClr val="bg2"/>
-                  </a:outerShdw>
-                </a:effectLst>
-              </a14:hiddenEffects>
-            </a:ext>
-          </a:extLst>
-        </p:spPr>
-      </p:cxnSp>
-      <p:cxnSp>
-        <p:nvCxnSpPr>
-          <p:cNvPr id="23" name="Straight Arrow Connector 22">
-            <a:extLst>
-              <a:ext uri="{FF2B5EF4-FFF2-40B4-BE49-F238E27FC236}">
-                <a16:creationId xmlns:a16="http://schemas.microsoft.com/office/drawing/2014/main" id="{A05CE1A3-CD7D-4ED9-8E84-6FBB115CA5F3}"/>
-              </a:ext>
-            </a:extLst>
-          </p:cNvPr>
-          <p:cNvCxnSpPr/>
-          <p:nvPr/>
-        </p:nvCxnSpPr>
-        <p:spPr bwMode="auto">
-          <a:xfrm flipV="1">
-            <a:off x="4654551" y="4076700"/>
-            <a:ext cx="1030816" cy="6350"/>
-          </a:xfrm>
-          <a:prstGeom prst="straightConnector1">
-            <a:avLst/>
-          </a:prstGeom>
-          <a:solidFill>
-            <a:schemeClr val="accent1"/>
-          </a:solidFill>
-          <a:ln w="9525" cap="flat" cmpd="sng" algn="ctr">
-            <a:solidFill>
-              <a:schemeClr val="tx1"/>
-            </a:solidFill>
-            <a:prstDash val="solid"/>
-            <a:round/>
-            <a:headEnd type="none" w="med" len="med"/>
-            <a:tailEnd type="none" w="med" len="med"/>
-          </a:ln>
-          <a:effectLst/>
-          <a:extLst>
-            <a:ext uri="{AF507438-7753-43E0-B8FC-AC1667EBCBE1}">
-              <a14:hiddenEffects xmlns:a14="http://schemas.microsoft.com/office/drawing/2010/main">
-                <a:effectLst>
-                  <a:outerShdw dist="35921" dir="2700000" algn="ctr" rotWithShape="0">
-                    <a:schemeClr val="bg2"/>
-                  </a:outerShdw>
-                </a:effectLst>
-              </a14:hiddenEffects>
-            </a:ext>
-          </a:extLst>
-        </p:spPr>
-      </p:cxnSp>
-      <p:cxnSp>
-        <p:nvCxnSpPr>
-          <p:cNvPr id="25" name="Straight Arrow Connector 24">
-            <a:extLst>
-              <a:ext uri="{FF2B5EF4-FFF2-40B4-BE49-F238E27FC236}">
-                <a16:creationId xmlns:a16="http://schemas.microsoft.com/office/drawing/2014/main" id="{0EE49755-69BA-404D-AF4B-8268E443AEA0}"/>
-              </a:ext>
-            </a:extLst>
-          </p:cNvPr>
-          <p:cNvCxnSpPr/>
-          <p:nvPr/>
-        </p:nvCxnSpPr>
-        <p:spPr bwMode="auto">
-          <a:xfrm>
-            <a:off x="5691716" y="3172884"/>
-            <a:ext cx="1401233" cy="14817"/>
-          </a:xfrm>
-          <a:prstGeom prst="straightConnector1">
-            <a:avLst/>
-          </a:prstGeom>
-          <a:solidFill>
-            <a:schemeClr val="accent1"/>
-          </a:solidFill>
-          <a:ln w="9525" cap="flat" cmpd="sng" algn="ctr">
-            <a:solidFill>
-              <a:schemeClr val="tx1"/>
-            </a:solidFill>
-            <a:prstDash val="solid"/>
-            <a:round/>
-            <a:headEnd type="none" w="med" len="med"/>
-            <a:tailEnd type="triangle"/>
-          </a:ln>
-          <a:effectLst/>
-          <a:extLst>
-            <a:ext uri="{AF507438-7753-43E0-B8FC-AC1667EBCBE1}">
-              <a14:hiddenEffects xmlns:a14="http://schemas.microsoft.com/office/drawing/2010/main">
-                <a:effectLst>
-                  <a:outerShdw dist="35921" dir="2700000" algn="ctr" rotWithShape="0">
-                    <a:schemeClr val="bg2"/>
-                  </a:outerShdw>
-                </a:effectLst>
-              </a14:hiddenEffects>
-            </a:ext>
-          </a:extLst>
-        </p:spPr>
-      </p:cxnSp>
-      <p:sp>
-        <p:nvSpPr>
-          <p:cNvPr id="26" name="Rectangle 25">
-            <a:extLst>
-              <a:ext uri="{FF2B5EF4-FFF2-40B4-BE49-F238E27FC236}">
-                <a16:creationId xmlns:a16="http://schemas.microsoft.com/office/drawing/2014/main" id="{114DF8AD-0E12-4950-BC0B-19F61EC99BA5}"/>
-              </a:ext>
-            </a:extLst>
-          </p:cNvPr>
-          <p:cNvSpPr/>
-          <p:nvPr/>
-        </p:nvSpPr>
-        <p:spPr bwMode="auto">
-          <a:xfrm>
-            <a:off x="7088717" y="2421467"/>
-            <a:ext cx="364067" cy="1295399"/>
-          </a:xfrm>
-          <a:prstGeom prst="rect">
-            <a:avLst/>
-          </a:prstGeom>
-          <a:solidFill>
-            <a:schemeClr val="accent1"/>
-          </a:solidFill>
-          <a:ln w="9525" cap="flat" cmpd="sng" algn="ctr">
-            <a:solidFill>
-              <a:schemeClr val="tx1"/>
-            </a:solidFill>
-            <a:prstDash val="solid"/>
-            <a:round/>
-            <a:headEnd type="none" w="med" len="med"/>
-            <a:tailEnd type="none" w="med" len="med"/>
-          </a:ln>
-          <a:effectLst/>
-          <a:extLst>
-            <a:ext uri="{AF507438-7753-43E0-B8FC-AC1667EBCBE1}">
-              <a14:hiddenEffects xmlns:a14="http://schemas.microsoft.com/office/drawing/2010/main">
-                <a:effectLst>
-                  <a:outerShdw dist="35921" dir="2700000" algn="ctr" rotWithShape="0">
-                    <a:schemeClr val="bg2"/>
-                  </a:outerShdw>
-                </a:effectLst>
-              </a14:hiddenEffects>
-            </a:ext>
-          </a:extLst>
-        </p:spPr>
-        <p:txBody>
-          <a:bodyPr vert="horz" wrap="square" lIns="91440" tIns="45720" rIns="91440" bIns="45720" numCol="1" rtlCol="0" anchor="t" anchorCtr="0" compatLnSpc="1">
-            <a:prstTxWarp prst="textNoShape">
-              <a:avLst/>
-            </a:prstTxWarp>
-          </a:bodyPr>
-          <a:lstStyle/>
-          <a:p>
-            <a:r>
-              <a:rPr lang="en-US" dirty="0">
-                <a:cs typeface="Times New Roman"/>
-              </a:rPr>
-              <a:t>Re</a:t>
-            </a:r>
-          </a:p>
-          <a:p>
-            <a:pPr marL="0" marR="0" indent="0" algn="l" defTabSz="914400" eaLnBrk="0" fontAlgn="base" latinLnBrk="0" hangingPunct="0">
-              <a:lnSpc>
-                <a:spcPct val="100000"/>
-              </a:lnSpc>
-              <a:spcBef>
-                <a:spcPct val="0"/>
-              </a:spcBef>
-              <a:spcAft>
-                <a:spcPct val="0"/>
-              </a:spcAft>
-              <a:buClrTx/>
-              <a:buSzTx/>
-              <a:buFontTx/>
-              <a:buNone/>
-              <a:tabLst/>
-            </a:pPr>
-            <a:r>
-              <a:rPr lang="en-US" dirty="0">
-                <a:cs typeface="Times New Roman"/>
-              </a:rPr>
-              <a:t>g</a:t>
-            </a:r>
-            <a:endParaRPr lang="en-US" sz="2400" b="0" i="0" u="none" strike="noStrike" cap="none" baseline="0" dirty="0">
-              <a:latin typeface="Times New Roman" pitchFamily="18" charset="0"/>
-              <a:cs typeface="Times New Roman"/>
-            </a:endParaRPr>
-          </a:p>
-        </p:txBody>
-      </p:sp>
-      <p:sp>
-        <p:nvSpPr>
-          <p:cNvPr id="31" name="Isosceles Triangle 30">
-            <a:extLst>
-              <a:ext uri="{FF2B5EF4-FFF2-40B4-BE49-F238E27FC236}">
-                <a16:creationId xmlns:a16="http://schemas.microsoft.com/office/drawing/2014/main" id="{720B36CE-F311-422D-A92D-BA072A49C9C9}"/>
-              </a:ext>
-            </a:extLst>
-          </p:cNvPr>
-          <p:cNvSpPr/>
-          <p:nvPr/>
-        </p:nvSpPr>
-        <p:spPr bwMode="auto">
-          <a:xfrm rot="5400000" flipH="1">
-            <a:off x="7107893" y="3432174"/>
-            <a:ext cx="145796" cy="120650"/>
-          </a:xfrm>
-          <a:prstGeom prst="triangle">
-            <a:avLst/>
-          </a:prstGeom>
-          <a:ln>
-            <a:headEnd type="none" w="med" len="med"/>
-            <a:tailEnd type="none" w="med" len="med"/>
-          </a:ln>
-          <a:extLst>
-            <a:ext uri="{AF507438-7753-43E0-B8FC-AC1667EBCBE1}">
-              <a14:hiddenEffects xmlns:a14="http://schemas.microsoft.com/office/drawing/2010/main">
-                <a:effectLst>
-                  <a:outerShdw dist="35921" dir="2700000" algn="ctr" rotWithShape="0">
-                    <a:schemeClr val="bg2"/>
-                  </a:outerShdw>
-                </a:effectLst>
-              </a14:hiddenEffects>
-            </a:ext>
-          </a:extLst>
-        </p:spPr>
-        <p:style>
-          <a:lnRef idx="2">
-            <a:schemeClr val="dk1"/>
-          </a:lnRef>
-          <a:fillRef idx="1">
-            <a:schemeClr val="lt1"/>
-          </a:fillRef>
-          <a:effectRef idx="0">
-            <a:schemeClr val="dk1"/>
-          </a:effectRef>
-          <a:fontRef idx="minor">
-            <a:schemeClr val="dk1"/>
-          </a:fontRef>
-        </p:style>
-        <p:txBody>
-          <a:bodyPr vert="horz" wrap="square" lIns="91440" tIns="45720" rIns="91440" bIns="45720" numCol="1" rtlCol="0" anchor="t" anchorCtr="0" compatLnSpc="1">
-            <a:prstTxWarp prst="textNoShape">
-              <a:avLst/>
-            </a:prstTxWarp>
-          </a:bodyPr>
-          <a:lstStyle/>
-          <a:p>
-            <a:pPr marL="0" marR="0" indent="0" algn="l" defTabSz="914400" rtl="0" eaLnBrk="0" fontAlgn="base" latinLnBrk="0" hangingPunct="0">
-              <a:lnSpc>
-                <a:spcPct val="100000"/>
-              </a:lnSpc>
-              <a:spcBef>
-                <a:spcPct val="0"/>
-              </a:spcBef>
-              <a:spcAft>
-                <a:spcPct val="0"/>
-              </a:spcAft>
-              <a:buClrTx/>
-              <a:buSzTx/>
-              <a:buFontTx/>
-              <a:buNone/>
-              <a:tabLst/>
-            </a:pPr>
-            <a:endParaRPr kumimoji="0" lang="en-US" sz="2400" b="0" i="0" u="none" strike="noStrike" cap="none" normalizeH="0" baseline="0">
-              <a:ln>
-                <a:noFill/>
-              </a:ln>
-              <a:solidFill>
-                <a:schemeClr val="tx1"/>
-              </a:solidFill>
-              <a:effectLst/>
-              <a:latin typeface="Times New Roman" pitchFamily="18" charset="0"/>
-            </a:endParaRPr>
-          </a:p>
-        </p:txBody>
-      </p:sp>
-      <p:cxnSp>
-        <p:nvCxnSpPr>
-          <p:cNvPr id="5" name="Straight Arrow Connector 4">
-            <a:extLst>
-              <a:ext uri="{FF2B5EF4-FFF2-40B4-BE49-F238E27FC236}">
-                <a16:creationId xmlns:a16="http://schemas.microsoft.com/office/drawing/2014/main" id="{E13BBC38-B8BC-4199-86B1-E1BB36938937}"/>
-              </a:ext>
-            </a:extLst>
-          </p:cNvPr>
-          <p:cNvCxnSpPr/>
-          <p:nvPr/>
-        </p:nvCxnSpPr>
-        <p:spPr bwMode="auto">
-          <a:xfrm flipH="1" flipV="1">
-            <a:off x="2266951" y="2542117"/>
-            <a:ext cx="6349" cy="1265766"/>
-          </a:xfrm>
-          <a:prstGeom prst="straightConnector1">
-            <a:avLst/>
-          </a:prstGeom>
-          <a:solidFill>
-            <a:schemeClr val="accent1"/>
-          </a:solidFill>
-          <a:ln w="9525" cap="flat" cmpd="sng" algn="ctr">
-            <a:solidFill>
-              <a:schemeClr val="tx1"/>
-            </a:solidFill>
-            <a:prstDash val="solid"/>
-            <a:round/>
-            <a:headEnd type="none" w="med" len="med"/>
-            <a:tailEnd type="triangle"/>
-          </a:ln>
-          <a:effectLst/>
-          <a:extLst>
-            <a:ext uri="{AF507438-7753-43E0-B8FC-AC1667EBCBE1}">
-              <a14:hiddenEffects xmlns:a14="http://schemas.microsoft.com/office/drawing/2010/main">
-                <a:effectLst>
-                  <a:outerShdw dist="35921" dir="2700000" algn="ctr" rotWithShape="0">
-                    <a:schemeClr val="bg2"/>
-                  </a:outerShdw>
-                </a:effectLst>
-              </a14:hiddenEffects>
-            </a:ext>
-          </a:extLst>
-        </p:spPr>
-      </p:cxnSp>
     </p:spTree>
   </p:cSld>
   <p:clrMapOvr>
@@ -8851,7 +7322,7 @@
           <a:lstStyle/>
           <a:p>
             <a:r>
-              <a:rPr lang="en-US" altLang="en-US"/>
+              <a:rPr lang="en-US" altLang="en-US" dirty="0"/>
               <a:t>Characterization Methods and Results</a:t>
             </a:r>
           </a:p>
@@ -8884,113 +7355,116 @@
           <a:lstStyle/>
           <a:p>
             <a:r>
-              <a:rPr lang="en-US" altLang="en-US" sz="2000"/>
+              <a:rPr lang="en-US" altLang="en-US" sz="2000" dirty="0"/>
               <a:t>Methods</a:t>
             </a:r>
           </a:p>
           <a:p>
             <a:pPr lvl="1"/>
             <a:r>
-              <a:rPr lang="en-US" altLang="en-US" sz="1800"/>
+              <a:rPr lang="en-US" altLang="en-US" sz="1800" dirty="0"/>
               <a:t>Input: 20-k test dataset from the MNIST benchmark</a:t>
             </a:r>
           </a:p>
           <a:p>
             <a:pPr lvl="1"/>
             <a:r>
-              <a:rPr lang="en-US" altLang="en-US" sz="1800"/>
+              <a:rPr lang="en-US" altLang="en-US" sz="1800" dirty="0"/>
               <a:t>RTL coding from a scratch: Yes</a:t>
             </a:r>
           </a:p>
           <a:p>
             <a:pPr lvl="1"/>
             <a:r>
-              <a:rPr lang="en-US" altLang="en-US" sz="1800"/>
-              <a:t>Throughput: PT with DC-gen. sdf annotation</a:t>
+              <a:rPr lang="en-US" altLang="en-US" sz="1800" dirty="0"/>
+              <a:t>Throughput: Tested in RTL simulation</a:t>
             </a:r>
           </a:p>
           <a:p>
             <a:pPr lvl="1"/>
             <a:r>
-              <a:rPr lang="en-US" altLang="en-US" sz="1800"/>
-              <a:t>Maximum clock frequency: PT with DC-gen. sdf annotation</a:t>
+              <a:rPr lang="en-US" altLang="en-US" sz="1800" dirty="0"/>
+              <a:t>Maximum clock frequency: The minimum clock period in </a:t>
+            </a:r>
+            <a:r>
+              <a:rPr lang="en-US" altLang="en-US" sz="1800" dirty="0" err="1"/>
+              <a:t>timing.tcl</a:t>
+            </a:r>
+            <a:r>
+              <a:rPr lang="en-US" altLang="en-US" sz="1800" dirty="0"/>
+              <a:t> to meet the slack in PT and DC-gen report file.</a:t>
             </a:r>
           </a:p>
           <a:p>
             <a:pPr lvl="1"/>
             <a:r>
-              <a:rPr lang="en-US" altLang="en-US" sz="1800"/>
-              <a:t>Energy efficiency: PT with the DC-gen. sdf and QS-gen. vcd annotations</a:t>
+              <a:rPr lang="en-US" altLang="en-US" sz="1800" dirty="0"/>
+              <a:t>Area and number of gates: DC-gen report (memory has not been synthesized)</a:t>
             </a:r>
           </a:p>
           <a:p>
             <a:pPr lvl="1"/>
             <a:r>
-              <a:rPr lang="en-US" altLang="en-US" sz="1800"/>
-              <a:t>Area and number of gates: DC-gen report</a:t>
+              <a:rPr lang="en-US" altLang="en-US" sz="1800" dirty="0"/>
+              <a:t>Accuracy: using the 20-k test dataset from the MNIST benchmark</a:t>
+            </a:r>
+            <a:endParaRPr lang="en-US" altLang="en-US" sz="2000" dirty="0"/>
+          </a:p>
+          <a:p>
+            <a:r>
+              <a:rPr lang="en-US" altLang="en-US" sz="2000" dirty="0"/>
+              <a:t>Results</a:t>
             </a:r>
           </a:p>
           <a:p>
             <a:pPr lvl="1"/>
             <a:r>
-              <a:rPr lang="en-US" altLang="en-US" sz="1800"/>
-              <a:t>Accuracy: using the 20-k test dataset from the MNIST benchmark</a:t>
-            </a:r>
-          </a:p>
-          <a:p>
-            <a:r>
-              <a:rPr lang="en-US" altLang="en-US" sz="2000"/>
-              <a:t>Results</a:t>
+              <a:rPr lang="en-US" altLang="en-US" sz="1800" dirty="0"/>
+              <a:t>Throughput: 12 [</a:t>
+            </a:r>
+            <a:r>
+              <a:rPr lang="en-US" altLang="en-US" sz="1800" dirty="0" err="1"/>
+              <a:t>classficiation</a:t>
+            </a:r>
+            <a:r>
+              <a:rPr lang="en-US" altLang="en-US" sz="1800" dirty="0"/>
+              <a:t>/s]</a:t>
             </a:r>
           </a:p>
           <a:p>
             <a:pPr lvl="1"/>
             <a:r>
-              <a:rPr lang="en-US" altLang="en-US" sz="1800"/>
-              <a:t>Throughput: 1 [Mclassficiation/s]</a:t>
+              <a:rPr lang="en-US" altLang="en-US" sz="1800" dirty="0"/>
+              <a:t>Maximum clock frequency: 200 [MHz]</a:t>
             </a:r>
           </a:p>
           <a:p>
             <a:pPr lvl="1"/>
             <a:r>
-              <a:rPr lang="en-US" altLang="en-US" sz="1800"/>
-              <a:t>Maximum clock frequency: 40 [MHz]</a:t>
+              <a:rPr lang="en-US" altLang="en-US" sz="1800" dirty="0"/>
+              <a:t>Area and number of gates: 0.004304 [mm</a:t>
+            </a:r>
+            <a:r>
+              <a:rPr lang="en-US" altLang="en-US" sz="1800" baseline="30000" dirty="0"/>
+              <a:t>2</a:t>
+            </a:r>
+            <a:r>
+              <a:rPr lang="en-US" altLang="en-US" sz="1800" dirty="0"/>
+              <a:t>] and 393 gates memory has not been synthesized)</a:t>
             </a:r>
           </a:p>
           <a:p>
             <a:pPr lvl="1"/>
             <a:r>
-              <a:rPr lang="en-US" altLang="en-US" sz="1800"/>
-              <a:t>Energy efficiency: 1.3 [µJ/classification]</a:t>
+              <a:rPr lang="en-US" altLang="en-US" sz="1800" dirty="0"/>
+              <a:t>Total memory bits: 4[MB]</a:t>
             </a:r>
           </a:p>
           <a:p>
             <a:pPr lvl="1"/>
             <a:r>
-              <a:rPr lang="en-US" altLang="en-US" sz="1800"/>
-              <a:t>Area and number of gates: 0.232 [mm</a:t>
-            </a:r>
-            <a:r>
-              <a:rPr lang="en-US" altLang="en-US" sz="1800" baseline="30000"/>
-              <a:t>2</a:t>
-            </a:r>
-            <a:r>
-              <a:rPr lang="en-US" altLang="en-US" sz="1800"/>
-              <a:t>] and 123,456 gates</a:t>
-            </a:r>
-          </a:p>
-          <a:p>
-            <a:pPr lvl="1"/>
-            <a:r>
-              <a:rPr lang="en-US" altLang="en-US" sz="1800"/>
-              <a:t>Total memory bits: 256 [kB]</a:t>
-            </a:r>
-          </a:p>
-          <a:p>
-            <a:pPr lvl="1"/>
-            <a:r>
-              <a:rPr lang="en-US" altLang="en-US" sz="1800"/>
-              <a:t>Accuracy: 98.32%</a:t>
+              <a:rPr lang="en-US" altLang="en-US" sz="1800" dirty="0"/>
+              <a:t>Accuracy: 97%</a:t>
             </a:r>
           </a:p>
         </p:txBody>
@@ -9048,19 +7522,19 @@
           <a:lstStyle/>
           <a:p>
             <a:r>
-              <a:rPr lang="en-US" altLang="en-US"/>
+              <a:rPr lang="en-US" altLang="en-US" dirty="0"/>
               <a:t>Copy your RTL (not netlist) and the testbench in a </a:t>
             </a:r>
             <a:r>
-              <a:rPr lang="en-US" altLang="en-US" b="1" i="1"/>
+              <a:rPr lang="en-US" altLang="en-US" b="1" i="1" dirty="0"/>
               <a:t>single </a:t>
             </a:r>
             <a:r>
-              <a:rPr lang="en-US" altLang="en-US"/>
+              <a:rPr lang="en-US" altLang="en-US" dirty="0"/>
               <a:t>file; double-click below</a:t>
             </a:r>
             <a:r>
-              <a:rPr lang="en-US" altLang="en-US" b="1"/>
+              <a:rPr lang="en-US" altLang="en-US" b="1" dirty="0"/>
               <a:t>↓</a:t>
             </a:r>
           </a:p>
@@ -9081,25 +7555,25 @@
           <p:nvPr>
             <p:extLst>
               <p:ext uri="{D42A27DB-BD31-4B8C-83A1-F6EECF244321}">
-                <p14:modId xmlns:p14="http://schemas.microsoft.com/office/powerpoint/2010/main" val="4243168350"/>
+                <p14:modId xmlns:p14="http://schemas.microsoft.com/office/powerpoint/2010/main" val="4202498621"/>
               </p:ext>
             </p:extLst>
           </p:nvPr>
         </p:nvGraphicFramePr>
         <p:xfrm>
-          <a:off x="485775" y="4557713"/>
-          <a:ext cx="3763963" cy="1527175"/>
+          <a:off x="485775" y="4560888"/>
+          <a:ext cx="3763963" cy="1520825"/>
         </p:xfrm>
         <a:graphic>
           <a:graphicData uri="http://schemas.openxmlformats.org/presentationml/2006/ole">
             <mc:AlternateContent xmlns:mc="http://schemas.openxmlformats.org/markup-compatibility/2006">
               <mc:Choice xmlns:v="urn:schemas-microsoft-com:vml" Requires="v">
-                <p:oleObj spid="_x0000_s15846" name="Wordpad Document" r:id="rId3" imgW="5486400" imgH="353520" progId="WordPad.Document.1">
+                <p:oleObj spid="_x0000_s15862" name="Wordpad Document" r:id="rId3" imgW="5486400" imgH="351720" progId="WordPad.Document.1">
                   <p:embed/>
                 </p:oleObj>
               </mc:Choice>
               <mc:Fallback>
-                <p:oleObj name="Wordpad Document" r:id="rId3" imgW="5486400" imgH="353520" progId="WordPad.Document.1">
+                <p:oleObj name="Wordpad Document" r:id="rId3" imgW="5486400" imgH="351720" progId="WordPad.Document.1">
                   <p:embed/>
                   <p:pic>
                     <p:nvPicPr>
@@ -9110,13 +7584,7 @@
                       <p:nvPr/>
                     </p:nvPicPr>
                     <p:blipFill>
-                      <a:blip r:embed="rId4">
-                        <a:extLst>
-                          <a:ext uri="{28A0092B-C50C-407E-A947-70E740481C1C}">
-                            <a14:useLocalDpi xmlns:a14="http://schemas.microsoft.com/office/drawing/2010/main" val="0"/>
-                          </a:ext>
-                        </a:extLst>
-                      </a:blip>
+                      <a:blip r:embed="rId4"/>
                       <a:srcRect/>
                       <a:stretch>
                         <a:fillRect/>
@@ -9124,8 +7592,8 @@
                     </p:blipFill>
                     <p:spPr bwMode="auto">
                       <a:xfrm>
-                        <a:off x="485775" y="4557713"/>
-                        <a:ext cx="3763963" cy="1527175"/>
+                        <a:off x="485775" y="4560888"/>
+                        <a:ext cx="3763963" cy="1520825"/>
                       </a:xfrm>
                       <a:prstGeom prst="rect">
                         <a:avLst/>
@@ -9364,22 +7832,28 @@
           <p:cNvGraphicFramePr>
             <a:graphicFrameLocks noChangeAspect="1"/>
           </p:cNvGraphicFramePr>
-          <p:nvPr/>
+          <p:nvPr>
+            <p:extLst>
+              <p:ext uri="{D42A27DB-BD31-4B8C-83A1-F6EECF244321}">
+                <p14:modId xmlns:p14="http://schemas.microsoft.com/office/powerpoint/2010/main" val="3390679741"/>
+              </p:ext>
+            </p:extLst>
+          </p:nvPr>
         </p:nvGraphicFramePr>
         <p:xfrm>
-          <a:off x="4840288" y="4557713"/>
-          <a:ext cx="3762375" cy="1527175"/>
+          <a:off x="4840288" y="4560888"/>
+          <a:ext cx="3762375" cy="1520825"/>
         </p:xfrm>
         <a:graphic>
           <a:graphicData uri="http://schemas.openxmlformats.org/presentationml/2006/ole">
             <mc:AlternateContent xmlns:mc="http://schemas.openxmlformats.org/markup-compatibility/2006">
               <mc:Choice xmlns:v="urn:schemas-microsoft-com:vml" Requires="v">
-                <p:oleObj spid="_x0000_s15847" name="Wordpad Document" r:id="rId5" imgW="5486400" imgH="353520" progId="WordPad.Document.1">
+                <p:oleObj spid="_x0000_s15863" name="Wordpad Document" r:id="rId5" imgW="5486400" imgH="351720" progId="WordPad.Document.1">
                   <p:embed/>
                 </p:oleObj>
               </mc:Choice>
               <mc:Fallback>
-                <p:oleObj name="Wordpad Document" r:id="rId5" imgW="5486400" imgH="353520" progId="WordPad.Document.1">
+                <p:oleObj name="Wordpad Document" r:id="rId5" imgW="5486400" imgH="351720" progId="WordPad.Document.1">
                   <p:embed/>
                   <p:pic>
                     <p:nvPicPr>
@@ -9390,13 +7864,7 @@
                       <p:nvPr/>
                     </p:nvPicPr>
                     <p:blipFill>
-                      <a:blip r:embed="rId6">
-                        <a:extLst>
-                          <a:ext uri="{28A0092B-C50C-407E-A947-70E740481C1C}">
-                            <a14:useLocalDpi xmlns:a14="http://schemas.microsoft.com/office/drawing/2010/main" val="0"/>
-                          </a:ext>
-                        </a:extLst>
-                      </a:blip>
+                      <a:blip r:embed="rId6"/>
                       <a:srcRect/>
                       <a:stretch>
                         <a:fillRect/>
@@ -9404,8 +7872,8 @@
                     </p:blipFill>
                     <p:spPr bwMode="auto">
                       <a:xfrm>
-                        <a:off x="4840288" y="4557713"/>
-                        <a:ext cx="3762375" cy="1527175"/>
+                        <a:off x="4840288" y="4560888"/>
+                        <a:ext cx="3762375" cy="1520825"/>
                       </a:xfrm>
                       <a:prstGeom prst="rect">
                         <a:avLst/>

--- a/Presentation Slides.pptx
+++ b/Presentation Slides.pptx
@@ -7555,25 +7555,25 @@
           <p:nvPr>
             <p:extLst>
               <p:ext uri="{D42A27DB-BD31-4B8C-83A1-F6EECF244321}">
-                <p14:modId xmlns:p14="http://schemas.microsoft.com/office/powerpoint/2010/main" val="4202498621"/>
+                <p14:modId xmlns:p14="http://schemas.microsoft.com/office/powerpoint/2010/main" val="3414440104"/>
               </p:ext>
             </p:extLst>
           </p:nvPr>
         </p:nvGraphicFramePr>
         <p:xfrm>
-          <a:off x="485775" y="4560888"/>
-          <a:ext cx="3763963" cy="1520825"/>
+          <a:off x="485775" y="-39525575"/>
+          <a:ext cx="3763963" cy="89695338"/>
         </p:xfrm>
         <a:graphic>
           <a:graphicData uri="http://schemas.openxmlformats.org/presentationml/2006/ole">
             <mc:AlternateContent xmlns:mc="http://schemas.openxmlformats.org/markup-compatibility/2006">
               <mc:Choice xmlns:v="urn:schemas-microsoft-com:vml" Requires="v">
-                <p:oleObj spid="_x0000_s15862" name="Wordpad Document" r:id="rId3" imgW="5486400" imgH="351720" progId="WordPad.Document.1">
+                <p:oleObj spid="_x0000_s15864" name="Wordpad Document" r:id="rId3" imgW="5486400" imgH="20785320" progId="WordPad.Document.1">
                   <p:embed/>
                 </p:oleObj>
               </mc:Choice>
               <mc:Fallback>
-                <p:oleObj name="Wordpad Document" r:id="rId3" imgW="5486400" imgH="351720" progId="WordPad.Document.1">
+                <p:oleObj name="Wordpad Document" r:id="rId3" imgW="5486400" imgH="20785320" progId="WordPad.Document.1">
                   <p:embed/>
                   <p:pic>
                     <p:nvPicPr>
@@ -7592,8 +7592,8 @@
                     </p:blipFill>
                     <p:spPr bwMode="auto">
                       <a:xfrm>
-                        <a:off x="485775" y="4560888"/>
-                        <a:ext cx="3763963" cy="1520825"/>
+                        <a:off x="485775" y="-39525575"/>
+                        <a:ext cx="3763963" cy="89695338"/>
                       </a:xfrm>
                       <a:prstGeom prst="rect">
                         <a:avLst/>
@@ -7835,25 +7835,25 @@
           <p:nvPr>
             <p:extLst>
               <p:ext uri="{D42A27DB-BD31-4B8C-83A1-F6EECF244321}">
-                <p14:modId xmlns:p14="http://schemas.microsoft.com/office/powerpoint/2010/main" val="3390679741"/>
+                <p14:modId xmlns:p14="http://schemas.microsoft.com/office/powerpoint/2010/main" val="1455488634"/>
               </p:ext>
             </p:extLst>
           </p:nvPr>
         </p:nvGraphicFramePr>
         <p:xfrm>
-          <a:off x="4840288" y="4560888"/>
-          <a:ext cx="3762375" cy="1520825"/>
+          <a:off x="4840288" y="-2049463"/>
+          <a:ext cx="3762375" cy="14743113"/>
         </p:xfrm>
         <a:graphic>
           <a:graphicData uri="http://schemas.openxmlformats.org/presentationml/2006/ole">
             <mc:AlternateContent xmlns:mc="http://schemas.openxmlformats.org/markup-compatibility/2006">
               <mc:Choice xmlns:v="urn:schemas-microsoft-com:vml" Requires="v">
-                <p:oleObj spid="_x0000_s15863" name="Wordpad Document" r:id="rId5" imgW="5486400" imgH="351720" progId="WordPad.Document.1">
+                <p:oleObj spid="_x0000_s15865" name="Wordpad Document" r:id="rId5" imgW="5486400" imgH="3416760" progId="WordPad.Document.1">
                   <p:embed/>
                 </p:oleObj>
               </mc:Choice>
               <mc:Fallback>
-                <p:oleObj name="Wordpad Document" r:id="rId5" imgW="5486400" imgH="351720" progId="WordPad.Document.1">
+                <p:oleObj name="Wordpad Document" r:id="rId5" imgW="5486400" imgH="3416760" progId="WordPad.Document.1">
                   <p:embed/>
                   <p:pic>
                     <p:nvPicPr>
@@ -7872,8 +7872,8 @@
                     </p:blipFill>
                     <p:spPr bwMode="auto">
                       <a:xfrm>
-                        <a:off x="4840288" y="4560888"/>
-                        <a:ext cx="3762375" cy="1520825"/>
+                        <a:off x="4840288" y="-2049463"/>
+                        <a:ext cx="3762375" cy="14743113"/>
                       </a:xfrm>
                       <a:prstGeom prst="rect">
                         <a:avLst/>
